--- a/Web Files/Prototype/홈페이지 UI 디자인.pptx
+++ b/Web Files/Prototype/홈페이지 UI 디자인.pptx
@@ -7,6 +7,8 @@
   <p:sldIdLst>
     <p:sldId id="257" r:id="rId2"/>
     <p:sldId id="256" r:id="rId3"/>
+    <p:sldId id="261" r:id="rId4"/>
+    <p:sldId id="260" r:id="rId5"/>
   </p:sldIdLst>
   <p:sldSz cx="12192000" cy="6858000"/>
   <p:notesSz cx="6858000" cy="9144000"/>
@@ -105,6 +107,11 @@
       </a:defRPr>
     </a:lvl9pPr>
   </p:defaultTextStyle>
+  <p:extLst>
+    <p:ext uri="{EFAFB233-063F-42B5-8137-9DF3F51BA10A}">
+      <p15:sldGuideLst xmlns:p15="http://schemas.microsoft.com/office/powerpoint/2012/main"/>
+    </p:ext>
+  </p:extLst>
 </p:presentation>
 </file>
 
@@ -255,7 +262,7 @@
           <a:p>
             <a:fld id="{2E4B3D1E-00AE-4617-88BD-6D9CD6D94E85}" type="datetimeFigureOut">
               <a:rPr lang="ko-KR" altLang="en-US" smtClean="0"/>
-              <a:t>2019-07-09</a:t>
+              <a:t>2019-07-10</a:t>
             </a:fld>
             <a:endParaRPr lang="ko-KR" altLang="en-US"/>
           </a:p>
@@ -453,7 +460,7 @@
           <a:p>
             <a:fld id="{2E4B3D1E-00AE-4617-88BD-6D9CD6D94E85}" type="datetimeFigureOut">
               <a:rPr lang="ko-KR" altLang="en-US" smtClean="0"/>
-              <a:t>2019-07-09</a:t>
+              <a:t>2019-07-10</a:t>
             </a:fld>
             <a:endParaRPr lang="ko-KR" altLang="en-US"/>
           </a:p>
@@ -661,7 +668,7 @@
           <a:p>
             <a:fld id="{2E4B3D1E-00AE-4617-88BD-6D9CD6D94E85}" type="datetimeFigureOut">
               <a:rPr lang="ko-KR" altLang="en-US" smtClean="0"/>
-              <a:t>2019-07-09</a:t>
+              <a:t>2019-07-10</a:t>
             </a:fld>
             <a:endParaRPr lang="ko-KR" altLang="en-US"/>
           </a:p>
@@ -859,7 +866,7 @@
           <a:p>
             <a:fld id="{2E4B3D1E-00AE-4617-88BD-6D9CD6D94E85}" type="datetimeFigureOut">
               <a:rPr lang="ko-KR" altLang="en-US" smtClean="0"/>
-              <a:t>2019-07-09</a:t>
+              <a:t>2019-07-10</a:t>
             </a:fld>
             <a:endParaRPr lang="ko-KR" altLang="en-US"/>
           </a:p>
@@ -1134,7 +1141,7 @@
           <a:p>
             <a:fld id="{2E4B3D1E-00AE-4617-88BD-6D9CD6D94E85}" type="datetimeFigureOut">
               <a:rPr lang="ko-KR" altLang="en-US" smtClean="0"/>
-              <a:t>2019-07-09</a:t>
+              <a:t>2019-07-10</a:t>
             </a:fld>
             <a:endParaRPr lang="ko-KR" altLang="en-US"/>
           </a:p>
@@ -1399,7 +1406,7 @@
           <a:p>
             <a:fld id="{2E4B3D1E-00AE-4617-88BD-6D9CD6D94E85}" type="datetimeFigureOut">
               <a:rPr lang="ko-KR" altLang="en-US" smtClean="0"/>
-              <a:t>2019-07-09</a:t>
+              <a:t>2019-07-10</a:t>
             </a:fld>
             <a:endParaRPr lang="ko-KR" altLang="en-US"/>
           </a:p>
@@ -1811,7 +1818,7 @@
           <a:p>
             <a:fld id="{2E4B3D1E-00AE-4617-88BD-6D9CD6D94E85}" type="datetimeFigureOut">
               <a:rPr lang="ko-KR" altLang="en-US" smtClean="0"/>
-              <a:t>2019-07-09</a:t>
+              <a:t>2019-07-10</a:t>
             </a:fld>
             <a:endParaRPr lang="ko-KR" altLang="en-US"/>
           </a:p>
@@ -1952,7 +1959,7 @@
           <a:p>
             <a:fld id="{2E4B3D1E-00AE-4617-88BD-6D9CD6D94E85}" type="datetimeFigureOut">
               <a:rPr lang="ko-KR" altLang="en-US" smtClean="0"/>
-              <a:t>2019-07-09</a:t>
+              <a:t>2019-07-10</a:t>
             </a:fld>
             <a:endParaRPr lang="ko-KR" altLang="en-US"/>
           </a:p>
@@ -2065,7 +2072,7 @@
           <a:p>
             <a:fld id="{2E4B3D1E-00AE-4617-88BD-6D9CD6D94E85}" type="datetimeFigureOut">
               <a:rPr lang="ko-KR" altLang="en-US" smtClean="0"/>
-              <a:t>2019-07-09</a:t>
+              <a:t>2019-07-10</a:t>
             </a:fld>
             <a:endParaRPr lang="ko-KR" altLang="en-US"/>
           </a:p>
@@ -2376,7 +2383,7 @@
           <a:p>
             <a:fld id="{2E4B3D1E-00AE-4617-88BD-6D9CD6D94E85}" type="datetimeFigureOut">
               <a:rPr lang="ko-KR" altLang="en-US" smtClean="0"/>
-              <a:t>2019-07-09</a:t>
+              <a:t>2019-07-10</a:t>
             </a:fld>
             <a:endParaRPr lang="ko-KR" altLang="en-US"/>
           </a:p>
@@ -2664,7 +2671,7 @@
           <a:p>
             <a:fld id="{2E4B3D1E-00AE-4617-88BD-6D9CD6D94E85}" type="datetimeFigureOut">
               <a:rPr lang="ko-KR" altLang="en-US" smtClean="0"/>
-              <a:t>2019-07-09</a:t>
+              <a:t>2019-07-10</a:t>
             </a:fld>
             <a:endParaRPr lang="ko-KR" altLang="en-US"/>
           </a:p>
@@ -2905,7 +2912,7 @@
           <a:p>
             <a:fld id="{2E4B3D1E-00AE-4617-88BD-6D9CD6D94E85}" type="datetimeFigureOut">
               <a:rPr lang="ko-KR" altLang="en-US" smtClean="0"/>
-              <a:t>2019-07-09</a:t>
+              <a:t>2019-07-10</a:t>
             </a:fld>
             <a:endParaRPr lang="ko-KR" altLang="en-US"/>
           </a:p>
@@ -3324,427 +3331,10 @@
       </p:grpSpPr>
       <p:sp>
         <p:nvSpPr>
-          <p:cNvPr id="2" name="직사각형 1">
-            <a:extLst>
-              <a:ext uri="{FF2B5EF4-FFF2-40B4-BE49-F238E27FC236}">
-                <a16:creationId xmlns:a16="http://schemas.microsoft.com/office/drawing/2014/main" id="{EEC54BA8-EDEC-4AD8-84F7-A0774CBF1067}"/>
-              </a:ext>
-            </a:extLst>
-          </p:cNvPr>
-          <p:cNvSpPr/>
-          <p:nvPr/>
-        </p:nvSpPr>
-        <p:spPr>
-          <a:xfrm>
-            <a:off x="0" y="0"/>
-            <a:ext cx="12192000" cy="1728592"/>
-          </a:xfrm>
-          <a:prstGeom prst="rect">
-            <a:avLst/>
-          </a:prstGeom>
-          <a:solidFill>
-            <a:schemeClr val="bg1"/>
-          </a:solidFill>
-        </p:spPr>
-        <p:style>
-          <a:lnRef idx="2">
-            <a:schemeClr val="accent1">
-              <a:shade val="50000"/>
-            </a:schemeClr>
-          </a:lnRef>
-          <a:fillRef idx="1">
-            <a:schemeClr val="accent1"/>
-          </a:fillRef>
-          <a:effectRef idx="0">
-            <a:schemeClr val="accent1"/>
-          </a:effectRef>
-          <a:fontRef idx="minor">
-            <a:schemeClr val="lt1"/>
-          </a:fontRef>
-        </p:style>
-        <p:txBody>
-          <a:bodyPr rtlCol="0" anchor="ctr"/>
-          <a:lstStyle/>
-          <a:p>
-            <a:pPr algn="ctr"/>
-            <a:endParaRPr lang="ko-KR" altLang="en-US">
-              <a:solidFill>
-                <a:schemeClr val="bg1"/>
-              </a:solidFill>
-            </a:endParaRPr>
-          </a:p>
-        </p:txBody>
-      </p:sp>
-      <p:sp>
-        <p:nvSpPr>
-          <p:cNvPr id="4" name="TextBox 3">
-            <a:extLst>
-              <a:ext uri="{FF2B5EF4-FFF2-40B4-BE49-F238E27FC236}">
-                <a16:creationId xmlns:a16="http://schemas.microsoft.com/office/drawing/2014/main" id="{418EA5C9-71D4-4772-9578-684E8F736A13}"/>
-              </a:ext>
-            </a:extLst>
-          </p:cNvPr>
-          <p:cNvSpPr txBox="1"/>
-          <p:nvPr/>
-        </p:nvSpPr>
-        <p:spPr>
-          <a:xfrm>
-            <a:off x="812104" y="0"/>
-            <a:ext cx="3156559" cy="923330"/>
-          </a:xfrm>
-          <a:prstGeom prst="rect">
-            <a:avLst/>
-          </a:prstGeom>
-          <a:noFill/>
-        </p:spPr>
-        <p:txBody>
-          <a:bodyPr wrap="square" rtlCol="0">
-            <a:spAutoFit/>
-          </a:bodyPr>
-          <a:lstStyle/>
-          <a:p>
-            <a:pPr algn="ctr"/>
-            <a:r>
-              <a:rPr lang="ko-KR" altLang="en-US" sz="5400" b="1" dirty="0" err="1">
-                <a:solidFill>
-                  <a:schemeClr val="accent1"/>
-                </a:solidFill>
-              </a:rPr>
-              <a:t>스뮤고개</a:t>
-            </a:r>
-            <a:endParaRPr lang="ko-KR" altLang="en-US" sz="5400" b="1" dirty="0">
-              <a:solidFill>
-                <a:schemeClr val="accent1"/>
-              </a:solidFill>
-            </a:endParaRPr>
-          </a:p>
-        </p:txBody>
-      </p:sp>
-      <p:sp>
-        <p:nvSpPr>
-          <p:cNvPr id="5" name="직사각형 4">
-            <a:extLst>
-              <a:ext uri="{FF2B5EF4-FFF2-40B4-BE49-F238E27FC236}">
-                <a16:creationId xmlns:a16="http://schemas.microsoft.com/office/drawing/2014/main" id="{0378CB04-71DB-498E-93FC-7127427B6689}"/>
-              </a:ext>
-            </a:extLst>
-          </p:cNvPr>
-          <p:cNvSpPr/>
-          <p:nvPr/>
-        </p:nvSpPr>
-        <p:spPr>
-          <a:xfrm>
-            <a:off x="108559" y="52219"/>
-            <a:ext cx="889348" cy="871111"/>
-          </a:xfrm>
-          <a:prstGeom prst="rect">
-            <a:avLst/>
-          </a:prstGeom>
-        </p:spPr>
-        <p:style>
-          <a:lnRef idx="2">
-            <a:schemeClr val="accent1">
-              <a:shade val="50000"/>
-            </a:schemeClr>
-          </a:lnRef>
-          <a:fillRef idx="1">
-            <a:schemeClr val="accent1"/>
-          </a:fillRef>
-          <a:effectRef idx="0">
-            <a:schemeClr val="accent1"/>
-          </a:effectRef>
-          <a:fontRef idx="minor">
-            <a:schemeClr val="lt1"/>
-          </a:fontRef>
-        </p:style>
-        <p:txBody>
-          <a:bodyPr rtlCol="0" anchor="ctr"/>
-          <a:lstStyle/>
-          <a:p>
-            <a:pPr algn="ctr"/>
-            <a:r>
-              <a:rPr lang="ko-KR" altLang="en-US" dirty="0"/>
-              <a:t>대충</a:t>
-            </a:r>
-            <a:endParaRPr lang="en-US" altLang="ko-KR" dirty="0"/>
-          </a:p>
-          <a:p>
-            <a:pPr algn="ctr"/>
-            <a:r>
-              <a:rPr lang="ko-KR" altLang="en-US" dirty="0"/>
-              <a:t>사슴</a:t>
-            </a:r>
-            <a:endParaRPr lang="en-US" altLang="ko-KR" dirty="0"/>
-          </a:p>
-          <a:p>
-            <a:pPr algn="ctr"/>
-            <a:r>
-              <a:rPr lang="ko-KR" altLang="en-US" dirty="0"/>
-              <a:t>그림</a:t>
-            </a:r>
-            <a:endParaRPr lang="en-US" altLang="ko-KR" dirty="0"/>
-          </a:p>
-        </p:txBody>
-      </p:sp>
-      <p:sp>
-        <p:nvSpPr>
-          <p:cNvPr id="6" name="TextBox 5">
-            <a:extLst>
-              <a:ext uri="{FF2B5EF4-FFF2-40B4-BE49-F238E27FC236}">
-                <a16:creationId xmlns:a16="http://schemas.microsoft.com/office/drawing/2014/main" id="{5E92BE78-7592-47A0-B335-438BE35B96A0}"/>
-              </a:ext>
-            </a:extLst>
-          </p:cNvPr>
-          <p:cNvSpPr txBox="1"/>
-          <p:nvPr/>
-        </p:nvSpPr>
-        <p:spPr>
-          <a:xfrm>
-            <a:off x="5273457" y="1440493"/>
-            <a:ext cx="1340285" cy="375781"/>
-          </a:xfrm>
-          <a:prstGeom prst="rect">
-            <a:avLst/>
-          </a:prstGeom>
-          <a:noFill/>
-        </p:spPr>
-        <p:txBody>
-          <a:bodyPr wrap="square" rtlCol="0">
-            <a:spAutoFit/>
-          </a:bodyPr>
-          <a:lstStyle/>
-          <a:p>
-            <a:r>
-              <a:rPr lang="ko-KR" altLang="en-US"/>
-              <a:t>상단고정바</a:t>
-            </a:r>
-          </a:p>
-        </p:txBody>
-      </p:sp>
-      <p:sp>
-        <p:nvSpPr>
-          <p:cNvPr id="7" name="TextBox 6">
-            <a:extLst>
-              <a:ext uri="{FF2B5EF4-FFF2-40B4-BE49-F238E27FC236}">
-                <a16:creationId xmlns:a16="http://schemas.microsoft.com/office/drawing/2014/main" id="{EFB51796-CDB0-48ED-93AD-CC7C7C944A62}"/>
-              </a:ext>
-            </a:extLst>
-          </p:cNvPr>
-          <p:cNvSpPr txBox="1"/>
-          <p:nvPr/>
-        </p:nvSpPr>
-        <p:spPr>
-          <a:xfrm>
-            <a:off x="200416" y="1077238"/>
-            <a:ext cx="3768247" cy="369332"/>
-          </a:xfrm>
-          <a:prstGeom prst="rect">
-            <a:avLst/>
-          </a:prstGeom>
-          <a:noFill/>
-          <a:ln>
-            <a:solidFill>
-              <a:schemeClr val="tx1"/>
-            </a:solidFill>
-          </a:ln>
-        </p:spPr>
-        <p:txBody>
-          <a:bodyPr wrap="square" rtlCol="0">
-            <a:spAutoFit/>
-          </a:bodyPr>
-          <a:lstStyle/>
-          <a:p>
-            <a:r>
-              <a:rPr lang="ko-KR" altLang="en-US" dirty="0"/>
-              <a:t>대충 슬로건</a:t>
-            </a:r>
-          </a:p>
-        </p:txBody>
-      </p:sp>
-      <p:sp>
-        <p:nvSpPr>
-          <p:cNvPr id="8" name="직사각형 7">
-            <a:extLst>
-              <a:ext uri="{FF2B5EF4-FFF2-40B4-BE49-F238E27FC236}">
-                <a16:creationId xmlns:a16="http://schemas.microsoft.com/office/drawing/2014/main" id="{7E5D18F8-E551-471F-880A-458103482C63}"/>
-              </a:ext>
-            </a:extLst>
-          </p:cNvPr>
-          <p:cNvSpPr/>
-          <p:nvPr/>
-        </p:nvSpPr>
-        <p:spPr>
-          <a:xfrm>
-            <a:off x="8655485" y="0"/>
-            <a:ext cx="3536515" cy="1728592"/>
-          </a:xfrm>
-          <a:prstGeom prst="rect">
-            <a:avLst/>
-          </a:prstGeom>
-          <a:solidFill>
-            <a:schemeClr val="bg1"/>
-          </a:solidFill>
-          <a:ln>
-            <a:solidFill>
-              <a:schemeClr val="tx1"/>
-            </a:solidFill>
-          </a:ln>
-        </p:spPr>
-        <p:style>
-          <a:lnRef idx="2">
-            <a:schemeClr val="accent1">
-              <a:shade val="50000"/>
-            </a:schemeClr>
-          </a:lnRef>
-          <a:fillRef idx="1">
-            <a:schemeClr val="accent1"/>
-          </a:fillRef>
-          <a:effectRef idx="0">
-            <a:schemeClr val="accent1"/>
-          </a:effectRef>
-          <a:fontRef idx="minor">
-            <a:schemeClr val="lt1"/>
-          </a:fontRef>
-        </p:style>
-        <p:txBody>
-          <a:bodyPr rtlCol="0" anchor="ctr"/>
-          <a:lstStyle/>
-          <a:p>
-            <a:pPr algn="ctr"/>
-            <a:endParaRPr lang="ko-KR" altLang="en-US"/>
-          </a:p>
-        </p:txBody>
-      </p:sp>
-      <p:sp>
-        <p:nvSpPr>
-          <p:cNvPr id="9" name="TextBox 8">
-            <a:extLst>
-              <a:ext uri="{FF2B5EF4-FFF2-40B4-BE49-F238E27FC236}">
-                <a16:creationId xmlns:a16="http://schemas.microsoft.com/office/drawing/2014/main" id="{41CD7E20-3402-4B62-BE54-A8B210137FE7}"/>
-              </a:ext>
-            </a:extLst>
-          </p:cNvPr>
-          <p:cNvSpPr txBox="1"/>
-          <p:nvPr/>
-        </p:nvSpPr>
-        <p:spPr>
-          <a:xfrm>
-            <a:off x="9035441" y="212942"/>
-            <a:ext cx="2601238" cy="369332"/>
-          </a:xfrm>
-          <a:prstGeom prst="rect">
-            <a:avLst/>
-          </a:prstGeom>
-          <a:noFill/>
-        </p:spPr>
-        <p:txBody>
-          <a:bodyPr wrap="square" rtlCol="0">
-            <a:spAutoFit/>
-          </a:bodyPr>
-          <a:lstStyle/>
-          <a:p>
-            <a:r>
-              <a:rPr lang="ko-KR" altLang="en-US" dirty="0"/>
-              <a:t>로그인 회원가입창</a:t>
-            </a:r>
-          </a:p>
-        </p:txBody>
-      </p:sp>
-      <p:sp>
-        <p:nvSpPr>
-          <p:cNvPr id="11" name="TextBox 10">
-            <a:extLst>
-              <a:ext uri="{FF2B5EF4-FFF2-40B4-BE49-F238E27FC236}">
-                <a16:creationId xmlns:a16="http://schemas.microsoft.com/office/drawing/2014/main" id="{FA8A0844-FA18-4DD7-9656-01BCD0317C2E}"/>
-              </a:ext>
-            </a:extLst>
-          </p:cNvPr>
-          <p:cNvSpPr txBox="1"/>
-          <p:nvPr/>
-        </p:nvSpPr>
-        <p:spPr>
-          <a:xfrm>
-            <a:off x="2129425" y="2768252"/>
-            <a:ext cx="7327726" cy="369332"/>
-          </a:xfrm>
-          <a:prstGeom prst="rect">
-            <a:avLst/>
-          </a:prstGeom>
-          <a:noFill/>
-        </p:spPr>
-        <p:txBody>
-          <a:bodyPr wrap="square" rtlCol="0">
-            <a:spAutoFit/>
-          </a:bodyPr>
-          <a:lstStyle/>
-          <a:p>
-            <a:r>
-              <a:rPr lang="ko-KR" altLang="en-US" dirty="0" err="1"/>
-              <a:t>스뮤고개는</a:t>
-            </a:r>
-            <a:r>
-              <a:rPr lang="ko-KR" altLang="en-US" dirty="0"/>
-              <a:t> </a:t>
-            </a:r>
-            <a:r>
-              <a:rPr lang="ko-KR" altLang="en-US" dirty="0" err="1"/>
-              <a:t>뭔가요</a:t>
-            </a:r>
-            <a:r>
-              <a:rPr lang="en-US" altLang="ko-KR" dirty="0"/>
-              <a:t>? </a:t>
-            </a:r>
-            <a:r>
-              <a:rPr lang="ko-KR" altLang="en-US" dirty="0"/>
-              <a:t>등 사이트 </a:t>
-            </a:r>
-            <a:r>
-              <a:rPr lang="ko-KR" altLang="en-US" dirty="0" err="1"/>
-              <a:t>사이트</a:t>
-            </a:r>
-            <a:r>
-              <a:rPr lang="ko-KR" altLang="en-US" dirty="0"/>
-              <a:t> 소개</a:t>
-            </a:r>
-          </a:p>
-        </p:txBody>
-      </p:sp>
-    </p:spTree>
-    <p:extLst>
-      <p:ext uri="{BB962C8B-B14F-4D97-AF65-F5344CB8AC3E}">
-        <p14:creationId xmlns:p14="http://schemas.microsoft.com/office/powerpoint/2010/main" val="797562192"/>
-      </p:ext>
-    </p:extLst>
-  </p:cSld>
-  <p:clrMapOvr>
-    <a:masterClrMapping/>
-  </p:clrMapOvr>
-</p:sld>
-</file>
-
-<file path=ppt/slides/slide2.xml><?xml version="1.0" encoding="utf-8"?>
-<p:sld xmlns:a="http://schemas.openxmlformats.org/drawingml/2006/main" xmlns:r="http://schemas.openxmlformats.org/officeDocument/2006/relationships" xmlns:p="http://schemas.openxmlformats.org/presentationml/2006/main">
-  <p:cSld>
-    <p:spTree>
-      <p:nvGrpSpPr>
-        <p:cNvPr id="1" name=""/>
-        <p:cNvGrpSpPr/>
-        <p:nvPr/>
-      </p:nvGrpSpPr>
-      <p:grpSpPr>
-        <a:xfrm>
-          <a:off x="0" y="0"/>
-          <a:ext cx="0" cy="0"/>
-          <a:chOff x="0" y="0"/>
-          <a:chExt cx="0" cy="0"/>
-        </a:xfrm>
-      </p:grpSpPr>
-      <p:sp>
-        <p:nvSpPr>
-          <p:cNvPr id="4" name="직사각형 3">
-            <a:extLst>
-              <a:ext uri="{FF2B5EF4-FFF2-40B4-BE49-F238E27FC236}">
-                <a16:creationId xmlns:a16="http://schemas.microsoft.com/office/drawing/2014/main" id="{2C830103-F6CF-43F8-93EA-7A6036B828EC}"/>
+          <p:cNvPr id="10" name="직사각형 9">
+            <a:extLst>
+              <a:ext uri="{FF2B5EF4-FFF2-40B4-BE49-F238E27FC236}">
+                <a16:creationId xmlns:a16="http://schemas.microsoft.com/office/drawing/2014/main" id="{0B00B709-A1C8-4844-B2B3-74D522732280}"/>
               </a:ext>
             </a:extLst>
           </p:cNvPr>
@@ -3795,6 +3385,396 @@
       </p:sp>
       <p:sp>
         <p:nvSpPr>
+          <p:cNvPr id="8" name="직사각형 7">
+            <a:extLst>
+              <a:ext uri="{FF2B5EF4-FFF2-40B4-BE49-F238E27FC236}">
+                <a16:creationId xmlns:a16="http://schemas.microsoft.com/office/drawing/2014/main" id="{7E5D18F8-E551-471F-880A-458103482C63}"/>
+              </a:ext>
+            </a:extLst>
+          </p:cNvPr>
+          <p:cNvSpPr/>
+          <p:nvPr/>
+        </p:nvSpPr>
+        <p:spPr>
+          <a:xfrm>
+            <a:off x="1" y="0"/>
+            <a:ext cx="12192000" cy="552626"/>
+          </a:xfrm>
+          <a:prstGeom prst="rect">
+            <a:avLst/>
+          </a:prstGeom>
+          <a:solidFill>
+            <a:schemeClr val="tx1">
+              <a:lumMod val="75000"/>
+              <a:lumOff val="25000"/>
+            </a:schemeClr>
+          </a:solidFill>
+          <a:ln>
+            <a:solidFill>
+              <a:schemeClr val="tx1"/>
+            </a:solidFill>
+          </a:ln>
+        </p:spPr>
+        <p:style>
+          <a:lnRef idx="2">
+            <a:schemeClr val="accent1">
+              <a:shade val="50000"/>
+            </a:schemeClr>
+          </a:lnRef>
+          <a:fillRef idx="1">
+            <a:schemeClr val="accent1"/>
+          </a:fillRef>
+          <a:effectRef idx="0">
+            <a:schemeClr val="accent1"/>
+          </a:effectRef>
+          <a:fontRef idx="minor">
+            <a:schemeClr val="lt1"/>
+          </a:fontRef>
+        </p:style>
+        <p:txBody>
+          <a:bodyPr rtlCol="0" anchor="ctr"/>
+          <a:lstStyle/>
+          <a:p>
+            <a:pPr algn="ctr"/>
+            <a:endParaRPr lang="ko-KR" altLang="en-US"/>
+          </a:p>
+        </p:txBody>
+      </p:sp>
+      <p:sp>
+        <p:nvSpPr>
+          <p:cNvPr id="4" name="TextBox 3">
+            <a:extLst>
+              <a:ext uri="{FF2B5EF4-FFF2-40B4-BE49-F238E27FC236}">
+                <a16:creationId xmlns:a16="http://schemas.microsoft.com/office/drawing/2014/main" id="{418EA5C9-71D4-4772-9578-684E8F736A13}"/>
+              </a:ext>
+            </a:extLst>
+          </p:cNvPr>
+          <p:cNvSpPr txBox="1"/>
+          <p:nvPr/>
+        </p:nvSpPr>
+        <p:spPr>
+          <a:xfrm>
+            <a:off x="-184758" y="-22392"/>
+            <a:ext cx="3356975" cy="584775"/>
+          </a:xfrm>
+          <a:prstGeom prst="rect">
+            <a:avLst/>
+          </a:prstGeom>
+          <a:noFill/>
+        </p:spPr>
+        <p:txBody>
+          <a:bodyPr wrap="square" rtlCol="0">
+            <a:spAutoFit/>
+          </a:bodyPr>
+          <a:lstStyle/>
+          <a:p>
+            <a:pPr algn="ctr"/>
+            <a:r>
+              <a:rPr lang="ko-KR" altLang="en-US" sz="3200" b="1" dirty="0" err="1">
+                <a:solidFill>
+                  <a:schemeClr val="accent1"/>
+                </a:solidFill>
+              </a:rPr>
+              <a:t>스뮤고개</a:t>
+            </a:r>
+            <a:endParaRPr lang="ko-KR" altLang="en-US" sz="3200" b="1" dirty="0">
+              <a:solidFill>
+                <a:schemeClr val="accent1"/>
+              </a:solidFill>
+            </a:endParaRPr>
+          </a:p>
+        </p:txBody>
+      </p:sp>
+      <p:sp>
+        <p:nvSpPr>
+          <p:cNvPr id="5" name="직사각형 4">
+            <a:extLst>
+              <a:ext uri="{FF2B5EF4-FFF2-40B4-BE49-F238E27FC236}">
+                <a16:creationId xmlns:a16="http://schemas.microsoft.com/office/drawing/2014/main" id="{0378CB04-71DB-498E-93FC-7127427B6689}"/>
+              </a:ext>
+            </a:extLst>
+          </p:cNvPr>
+          <p:cNvSpPr/>
+          <p:nvPr/>
+        </p:nvSpPr>
+        <p:spPr>
+          <a:xfrm>
+            <a:off x="108559" y="52219"/>
+            <a:ext cx="405008" cy="435555"/>
+          </a:xfrm>
+          <a:prstGeom prst="rect">
+            <a:avLst/>
+          </a:prstGeom>
+        </p:spPr>
+        <p:style>
+          <a:lnRef idx="2">
+            <a:schemeClr val="accent1">
+              <a:shade val="50000"/>
+            </a:schemeClr>
+          </a:lnRef>
+          <a:fillRef idx="1">
+            <a:schemeClr val="accent1"/>
+          </a:fillRef>
+          <a:effectRef idx="0">
+            <a:schemeClr val="accent1"/>
+          </a:effectRef>
+          <a:fontRef idx="minor">
+            <a:schemeClr val="lt1"/>
+          </a:fontRef>
+        </p:style>
+        <p:txBody>
+          <a:bodyPr rtlCol="0" anchor="ctr"/>
+          <a:lstStyle/>
+          <a:p>
+            <a:pPr algn="ctr"/>
+            <a:r>
+              <a:rPr lang="ko-KR" altLang="en-US" dirty="0"/>
+              <a:t>대충</a:t>
+            </a:r>
+            <a:endParaRPr lang="en-US" altLang="ko-KR" dirty="0"/>
+          </a:p>
+          <a:p>
+            <a:pPr algn="ctr"/>
+            <a:r>
+              <a:rPr lang="ko-KR" altLang="en-US" dirty="0"/>
+              <a:t>사슴</a:t>
+            </a:r>
+            <a:endParaRPr lang="en-US" altLang="ko-KR" dirty="0"/>
+          </a:p>
+          <a:p>
+            <a:pPr algn="ctr"/>
+            <a:r>
+              <a:rPr lang="ko-KR" altLang="en-US" dirty="0"/>
+              <a:t>그림</a:t>
+            </a:r>
+            <a:endParaRPr lang="en-US" altLang="ko-KR" dirty="0"/>
+          </a:p>
+        </p:txBody>
+      </p:sp>
+      <p:sp>
+        <p:nvSpPr>
+          <p:cNvPr id="7" name="TextBox 6">
+            <a:extLst>
+              <a:ext uri="{FF2B5EF4-FFF2-40B4-BE49-F238E27FC236}">
+                <a16:creationId xmlns:a16="http://schemas.microsoft.com/office/drawing/2014/main" id="{EFB51796-CDB0-48ED-93AD-CC7C7C944A62}"/>
+              </a:ext>
+            </a:extLst>
+          </p:cNvPr>
+          <p:cNvSpPr txBox="1"/>
+          <p:nvPr/>
+        </p:nvSpPr>
+        <p:spPr>
+          <a:xfrm>
+            <a:off x="2505205" y="101134"/>
+            <a:ext cx="3768247" cy="369332"/>
+          </a:xfrm>
+          <a:prstGeom prst="rect">
+            <a:avLst/>
+          </a:prstGeom>
+          <a:noFill/>
+          <a:ln>
+            <a:solidFill>
+              <a:schemeClr val="tx1"/>
+            </a:solidFill>
+          </a:ln>
+        </p:spPr>
+        <p:txBody>
+          <a:bodyPr wrap="square" rtlCol="0">
+            <a:spAutoFit/>
+          </a:bodyPr>
+          <a:lstStyle/>
+          <a:p>
+            <a:r>
+              <a:rPr lang="ko-KR" altLang="en-US" dirty="0"/>
+              <a:t>대충 슬로건</a:t>
+            </a:r>
+          </a:p>
+        </p:txBody>
+      </p:sp>
+      <p:sp>
+        <p:nvSpPr>
+          <p:cNvPr id="9" name="TextBox 8">
+            <a:extLst>
+              <a:ext uri="{FF2B5EF4-FFF2-40B4-BE49-F238E27FC236}">
+                <a16:creationId xmlns:a16="http://schemas.microsoft.com/office/drawing/2014/main" id="{41CD7E20-3402-4B62-BE54-A8B210137FE7}"/>
+              </a:ext>
+            </a:extLst>
+          </p:cNvPr>
+          <p:cNvSpPr txBox="1"/>
+          <p:nvPr/>
+        </p:nvSpPr>
+        <p:spPr>
+          <a:xfrm>
+            <a:off x="9775522" y="118442"/>
+            <a:ext cx="2601238" cy="369332"/>
+          </a:xfrm>
+          <a:prstGeom prst="rect">
+            <a:avLst/>
+          </a:prstGeom>
+          <a:noFill/>
+        </p:spPr>
+        <p:txBody>
+          <a:bodyPr wrap="square" rtlCol="0">
+            <a:spAutoFit/>
+          </a:bodyPr>
+          <a:lstStyle/>
+          <a:p>
+            <a:r>
+              <a:rPr lang="ko-KR" altLang="en-US" dirty="0">
+                <a:solidFill>
+                  <a:schemeClr val="bg1"/>
+                </a:solidFill>
+              </a:rPr>
+              <a:t>로그인 회원가입창</a:t>
+            </a:r>
+          </a:p>
+        </p:txBody>
+      </p:sp>
+      <p:sp>
+        <p:nvSpPr>
+          <p:cNvPr id="11" name="TextBox 10">
+            <a:extLst>
+              <a:ext uri="{FF2B5EF4-FFF2-40B4-BE49-F238E27FC236}">
+                <a16:creationId xmlns:a16="http://schemas.microsoft.com/office/drawing/2014/main" id="{FA8A0844-FA18-4DD7-9656-01BCD0317C2E}"/>
+              </a:ext>
+            </a:extLst>
+          </p:cNvPr>
+          <p:cNvSpPr txBox="1"/>
+          <p:nvPr/>
+        </p:nvSpPr>
+        <p:spPr>
+          <a:xfrm>
+            <a:off x="3490586" y="3520646"/>
+            <a:ext cx="7327726" cy="369332"/>
+          </a:xfrm>
+          <a:prstGeom prst="rect">
+            <a:avLst/>
+          </a:prstGeom>
+          <a:noFill/>
+        </p:spPr>
+        <p:txBody>
+          <a:bodyPr wrap="square" rtlCol="0">
+            <a:spAutoFit/>
+          </a:bodyPr>
+          <a:lstStyle/>
+          <a:p>
+            <a:r>
+              <a:rPr lang="ko-KR" altLang="en-US" dirty="0" err="1"/>
+              <a:t>스뮤고개는</a:t>
+            </a:r>
+            <a:r>
+              <a:rPr lang="ko-KR" altLang="en-US" dirty="0"/>
+              <a:t> </a:t>
+            </a:r>
+            <a:r>
+              <a:rPr lang="ko-KR" altLang="en-US" dirty="0" err="1"/>
+              <a:t>뭔가요</a:t>
+            </a:r>
+            <a:r>
+              <a:rPr lang="en-US" altLang="ko-KR" dirty="0"/>
+              <a:t>? </a:t>
+            </a:r>
+            <a:r>
+              <a:rPr lang="ko-KR" altLang="en-US" dirty="0"/>
+              <a:t>등 사이트 </a:t>
+            </a:r>
+            <a:r>
+              <a:rPr lang="ko-KR" altLang="en-US" dirty="0" err="1"/>
+              <a:t>사이트</a:t>
+            </a:r>
+            <a:r>
+              <a:rPr lang="ko-KR" altLang="en-US" dirty="0"/>
+              <a:t> 소개</a:t>
+            </a:r>
+          </a:p>
+        </p:txBody>
+      </p:sp>
+    </p:spTree>
+    <p:extLst>
+      <p:ext uri="{BB962C8B-B14F-4D97-AF65-F5344CB8AC3E}">
+        <p14:creationId xmlns:p14="http://schemas.microsoft.com/office/powerpoint/2010/main" val="797562192"/>
+      </p:ext>
+    </p:extLst>
+  </p:cSld>
+  <p:clrMapOvr>
+    <a:masterClrMapping/>
+  </p:clrMapOvr>
+</p:sld>
+</file>
+
+<file path=ppt/slides/slide2.xml><?xml version="1.0" encoding="utf-8"?>
+<p:sld xmlns:a="http://schemas.openxmlformats.org/drawingml/2006/main" xmlns:r="http://schemas.openxmlformats.org/officeDocument/2006/relationships" xmlns:p="http://schemas.openxmlformats.org/presentationml/2006/main">
+  <p:cSld>
+    <p:spTree>
+      <p:nvGrpSpPr>
+        <p:cNvPr id="1" name=""/>
+        <p:cNvGrpSpPr/>
+        <p:nvPr/>
+      </p:nvGrpSpPr>
+      <p:grpSpPr>
+        <a:xfrm>
+          <a:off x="0" y="0"/>
+          <a:ext cx="0" cy="0"/>
+          <a:chOff x="0" y="0"/>
+          <a:chExt cx="0" cy="0"/>
+        </a:xfrm>
+      </p:grpSpPr>
+      <p:sp>
+        <p:nvSpPr>
+          <p:cNvPr id="4" name="직사각형 3">
+            <a:extLst>
+              <a:ext uri="{FF2B5EF4-FFF2-40B4-BE49-F238E27FC236}">
+                <a16:creationId xmlns:a16="http://schemas.microsoft.com/office/drawing/2014/main" id="{2C830103-F6CF-43F8-93EA-7A6036B828EC}"/>
+              </a:ext>
+            </a:extLst>
+          </p:cNvPr>
+          <p:cNvSpPr/>
+          <p:nvPr/>
+        </p:nvSpPr>
+        <p:spPr>
+          <a:xfrm>
+            <a:off x="0" y="-70692"/>
+            <a:ext cx="12192000" cy="6928691"/>
+          </a:xfrm>
+          <a:prstGeom prst="rect">
+            <a:avLst/>
+          </a:prstGeom>
+          <a:solidFill>
+            <a:schemeClr val="bg1">
+              <a:lumMod val="95000"/>
+            </a:schemeClr>
+          </a:solidFill>
+          <a:ln>
+            <a:noFill/>
+          </a:ln>
+        </p:spPr>
+        <p:style>
+          <a:lnRef idx="2">
+            <a:schemeClr val="accent1">
+              <a:shade val="50000"/>
+            </a:schemeClr>
+          </a:lnRef>
+          <a:fillRef idx="1">
+            <a:schemeClr val="accent1"/>
+          </a:fillRef>
+          <a:effectRef idx="0">
+            <a:schemeClr val="accent1"/>
+          </a:effectRef>
+          <a:fontRef idx="minor">
+            <a:schemeClr val="lt1"/>
+          </a:fontRef>
+        </p:style>
+        <p:txBody>
+          <a:bodyPr rtlCol="0" anchor="ctr"/>
+          <a:lstStyle/>
+          <a:p>
+            <a:pPr algn="ctr"/>
+            <a:endParaRPr lang="ko-KR" altLang="en-US" dirty="0"/>
+          </a:p>
+        </p:txBody>
+      </p:sp>
+      <p:sp>
+        <p:nvSpPr>
           <p:cNvPr id="5" name="TextBox 4">
             <a:extLst>
               <a:ext uri="{FF2B5EF4-FFF2-40B4-BE49-F238E27FC236}">
@@ -3825,14 +3805,20 @@
             <a:r>
               <a:rPr lang="ko-KR" altLang="en-US" sz="5400" b="1" dirty="0" err="1">
                 <a:solidFill>
-                  <a:schemeClr val="accent1"/>
+                  <a:schemeClr val="tx1">
+                    <a:lumMod val="75000"/>
+                    <a:lumOff val="25000"/>
+                  </a:schemeClr>
                 </a:solidFill>
               </a:rPr>
               <a:t>스뮤고개</a:t>
             </a:r>
             <a:endParaRPr lang="ko-KR" altLang="en-US" sz="5400" b="1" dirty="0">
               <a:solidFill>
-                <a:schemeClr val="accent1"/>
+                <a:schemeClr val="tx1">
+                  <a:lumMod val="75000"/>
+                  <a:lumOff val="25000"/>
+                </a:schemeClr>
               </a:solidFill>
             </a:endParaRPr>
           </a:p>
@@ -3987,7 +3973,62 @@
             <a:avLst/>
           </a:prstGeom>
           <a:solidFill>
+            <a:schemeClr val="tx2"/>
+          </a:solidFill>
+          <a:ln>
+            <a:noFill/>
+          </a:ln>
+        </p:spPr>
+        <p:style>
+          <a:lnRef idx="2">
+            <a:schemeClr val="accent1">
+              <a:shade val="50000"/>
+            </a:schemeClr>
+          </a:lnRef>
+          <a:fillRef idx="1">
             <a:schemeClr val="accent1"/>
+          </a:fillRef>
+          <a:effectRef idx="0">
+            <a:schemeClr val="accent1"/>
+          </a:effectRef>
+          <a:fontRef idx="minor">
+            <a:schemeClr val="lt1"/>
+          </a:fontRef>
+        </p:style>
+        <p:txBody>
+          <a:bodyPr rtlCol="0" anchor="ctr"/>
+          <a:lstStyle/>
+          <a:p>
+            <a:pPr algn="ctr"/>
+            <a:r>
+              <a:rPr lang="ko-KR" altLang="en-US" sz="2800" b="1" dirty="0"/>
+              <a:t>로그인</a:t>
+            </a:r>
+          </a:p>
+        </p:txBody>
+      </p:sp>
+      <p:sp>
+        <p:nvSpPr>
+          <p:cNvPr id="9" name="직사각형 8">
+            <a:extLst>
+              <a:ext uri="{FF2B5EF4-FFF2-40B4-BE49-F238E27FC236}">
+                <a16:creationId xmlns:a16="http://schemas.microsoft.com/office/drawing/2014/main" id="{FEF112C7-3D5A-4EAE-B80A-02323D0BEC60}"/>
+              </a:ext>
+            </a:extLst>
+          </p:cNvPr>
+          <p:cNvSpPr/>
+          <p:nvPr/>
+        </p:nvSpPr>
+        <p:spPr>
+          <a:xfrm>
+            <a:off x="6371576" y="4809995"/>
+            <a:ext cx="1732768" cy="647990"/>
+          </a:xfrm>
+          <a:prstGeom prst="rect">
+            <a:avLst/>
+          </a:prstGeom>
+          <a:solidFill>
+            <a:schemeClr val="tx2"/>
           </a:solidFill>
           <a:ln>
             <a:solidFill>
@@ -4018,17 +4059,79 @@
             <a:pPr algn="ctr"/>
             <a:r>
               <a:rPr lang="ko-KR" altLang="en-US" sz="2800" b="1" dirty="0"/>
-              <a:t>로그인</a:t>
-            </a:r>
-          </a:p>
-        </p:txBody>
-      </p:sp>
-      <p:sp>
-        <p:nvSpPr>
-          <p:cNvPr id="9" name="직사각형 8">
-            <a:extLst>
-              <a:ext uri="{FF2B5EF4-FFF2-40B4-BE49-F238E27FC236}">
-                <a16:creationId xmlns:a16="http://schemas.microsoft.com/office/drawing/2014/main" id="{FEF112C7-3D5A-4EAE-B80A-02323D0BEC60}"/>
+              <a:t>회원가입</a:t>
+            </a:r>
+          </a:p>
+        </p:txBody>
+      </p:sp>
+      <p:sp>
+        <p:nvSpPr>
+          <p:cNvPr id="10" name="TextBox 9">
+            <a:extLst>
+              <a:ext uri="{FF2B5EF4-FFF2-40B4-BE49-F238E27FC236}">
+                <a16:creationId xmlns:a16="http://schemas.microsoft.com/office/drawing/2014/main" id="{04A09538-15DB-4E64-8532-B4723FE5EE8A}"/>
+              </a:ext>
+            </a:extLst>
+          </p:cNvPr>
+          <p:cNvSpPr txBox="1"/>
+          <p:nvPr/>
+        </p:nvSpPr>
+        <p:spPr>
+          <a:xfrm>
+            <a:off x="4743186" y="5663107"/>
+            <a:ext cx="2705622" cy="307777"/>
+          </a:xfrm>
+          <a:prstGeom prst="rect">
+            <a:avLst/>
+          </a:prstGeom>
+          <a:noFill/>
+        </p:spPr>
+        <p:txBody>
+          <a:bodyPr wrap="square" rtlCol="0">
+            <a:spAutoFit/>
+          </a:bodyPr>
+          <a:lstStyle/>
+          <a:p>
+            <a:pPr algn="ctr"/>
+            <a:r>
+              <a:rPr lang="ko-KR" altLang="en-US" sz="1400" dirty="0">
+                <a:solidFill>
+                  <a:schemeClr val="bg1">
+                    <a:lumMod val="65000"/>
+                  </a:schemeClr>
+                </a:solidFill>
+              </a:rPr>
+              <a:t>아이디</a:t>
+            </a:r>
+            <a:r>
+              <a:rPr lang="en-US" altLang="ko-KR" sz="1400" dirty="0">
+                <a:solidFill>
+                  <a:schemeClr val="bg1">
+                    <a:lumMod val="65000"/>
+                  </a:schemeClr>
+                </a:solidFill>
+              </a:rPr>
+              <a:t> </a:t>
+            </a:r>
+            <a:r>
+              <a:rPr lang="ko-KR" altLang="en-US" sz="1400" dirty="0">
+                <a:solidFill>
+                  <a:schemeClr val="bg1">
+                    <a:lumMod val="65000"/>
+                  </a:schemeClr>
+                </a:solidFill>
+              </a:rPr>
+              <a:t>비밀번호 찾기</a:t>
+            </a:r>
+          </a:p>
+        </p:txBody>
+      </p:sp>
+      <p:sp>
+        <p:nvSpPr>
+          <p:cNvPr id="11" name="직사각형 10">
+            <a:extLst>
+              <a:ext uri="{FF2B5EF4-FFF2-40B4-BE49-F238E27FC236}">
+                <a16:creationId xmlns:a16="http://schemas.microsoft.com/office/drawing/2014/main" id="{E926CFA5-244F-4048-BBE6-C8FF4D515155}"/>
               </a:ext>
             </a:extLst>
           </p:cNvPr>
@@ -4037,8 +4140,853 @@
         </p:nvSpPr>
         <p:spPr>
           <a:xfrm>
-            <a:off x="6371576" y="4809995"/>
-            <a:ext cx="1732768" cy="647990"/>
+            <a:off x="3991627" y="1377978"/>
+            <a:ext cx="889348" cy="871111"/>
+          </a:xfrm>
+          <a:prstGeom prst="rect">
+            <a:avLst/>
+          </a:prstGeom>
+          <a:solidFill>
+            <a:schemeClr val="tx2"/>
+          </a:solidFill>
+        </p:spPr>
+        <p:style>
+          <a:lnRef idx="2">
+            <a:schemeClr val="accent1">
+              <a:shade val="50000"/>
+            </a:schemeClr>
+          </a:lnRef>
+          <a:fillRef idx="1">
+            <a:schemeClr val="accent1"/>
+          </a:fillRef>
+          <a:effectRef idx="0">
+            <a:schemeClr val="accent1"/>
+          </a:effectRef>
+          <a:fontRef idx="minor">
+            <a:schemeClr val="lt1"/>
+          </a:fontRef>
+        </p:style>
+        <p:txBody>
+          <a:bodyPr rtlCol="0" anchor="ctr"/>
+          <a:lstStyle/>
+          <a:p>
+            <a:pPr algn="ctr"/>
+            <a:r>
+              <a:rPr lang="ko-KR" altLang="en-US" dirty="0"/>
+              <a:t>대충</a:t>
+            </a:r>
+            <a:endParaRPr lang="en-US" altLang="ko-KR" dirty="0"/>
+          </a:p>
+          <a:p>
+            <a:pPr algn="ctr"/>
+            <a:r>
+              <a:rPr lang="ko-KR" altLang="en-US" dirty="0"/>
+              <a:t>사슴</a:t>
+            </a:r>
+            <a:endParaRPr lang="en-US" altLang="ko-KR" dirty="0"/>
+          </a:p>
+          <a:p>
+            <a:pPr algn="ctr"/>
+            <a:r>
+              <a:rPr lang="ko-KR" altLang="en-US" dirty="0"/>
+              <a:t>그림</a:t>
+            </a:r>
+            <a:endParaRPr lang="en-US" altLang="ko-KR" dirty="0"/>
+          </a:p>
+        </p:txBody>
+      </p:sp>
+    </p:spTree>
+    <p:extLst>
+      <p:ext uri="{BB962C8B-B14F-4D97-AF65-F5344CB8AC3E}">
+        <p14:creationId xmlns:p14="http://schemas.microsoft.com/office/powerpoint/2010/main" val="1300663203"/>
+      </p:ext>
+    </p:extLst>
+  </p:cSld>
+  <p:clrMapOvr>
+    <a:masterClrMapping/>
+  </p:clrMapOvr>
+</p:sld>
+</file>
+
+<file path=ppt/slides/slide3.xml><?xml version="1.0" encoding="utf-8"?>
+<p:sld xmlns:a="http://schemas.openxmlformats.org/drawingml/2006/main" xmlns:r="http://schemas.openxmlformats.org/officeDocument/2006/relationships" xmlns:p="http://schemas.openxmlformats.org/presentationml/2006/main">
+  <p:cSld>
+    <p:spTree>
+      <p:nvGrpSpPr>
+        <p:cNvPr id="1" name=""/>
+        <p:cNvGrpSpPr/>
+        <p:nvPr/>
+      </p:nvGrpSpPr>
+      <p:grpSpPr>
+        <a:xfrm>
+          <a:off x="0" y="0"/>
+          <a:ext cx="0" cy="0"/>
+          <a:chOff x="0" y="0"/>
+          <a:chExt cx="0" cy="0"/>
+        </a:xfrm>
+      </p:grpSpPr>
+      <p:pic>
+        <p:nvPicPr>
+          <p:cNvPr id="7" name="그림 6">
+            <a:extLst>
+              <a:ext uri="{FF2B5EF4-FFF2-40B4-BE49-F238E27FC236}">
+                <a16:creationId xmlns:a16="http://schemas.microsoft.com/office/drawing/2014/main" id="{E0996D5D-DB1F-4683-A8A7-BC0F31F375EA}"/>
+              </a:ext>
+            </a:extLst>
+          </p:cNvPr>
+          <p:cNvPicPr>
+            <a:picLocks noChangeAspect="1"/>
+          </p:cNvPicPr>
+          <p:nvPr/>
+        </p:nvPicPr>
+        <p:blipFill rotWithShape="1">
+          <a:blip r:embed="rId2">
+            <a:extLst>
+              <a:ext uri="{28A0092B-C50C-407E-A947-70E740481C1C}">
+                <a14:useLocalDpi xmlns:a14="http://schemas.microsoft.com/office/drawing/2010/main" val="0"/>
+              </a:ext>
+            </a:extLst>
+          </a:blip>
+          <a:srcRect b="10352"/>
+          <a:stretch/>
+        </p:blipFill>
+        <p:spPr>
+          <a:xfrm>
+            <a:off x="-1" y="0"/>
+            <a:ext cx="12192001" cy="6858000"/>
+          </a:xfrm>
+          <a:prstGeom prst="rect">
+            <a:avLst/>
+          </a:prstGeom>
+        </p:spPr>
+      </p:pic>
+      <p:sp>
+        <p:nvSpPr>
+          <p:cNvPr id="3" name="직사각형 2">
+            <a:extLst>
+              <a:ext uri="{FF2B5EF4-FFF2-40B4-BE49-F238E27FC236}">
+                <a16:creationId xmlns:a16="http://schemas.microsoft.com/office/drawing/2014/main" id="{961C770C-2E98-4070-BB37-6D0F6C69A4D0}"/>
+              </a:ext>
+            </a:extLst>
+          </p:cNvPr>
+          <p:cNvSpPr/>
+          <p:nvPr/>
+        </p:nvSpPr>
+        <p:spPr>
+          <a:xfrm>
+            <a:off x="0" y="1"/>
+            <a:ext cx="12192000" cy="6858000"/>
+          </a:xfrm>
+          <a:prstGeom prst="rect">
+            <a:avLst/>
+          </a:prstGeom>
+          <a:solidFill>
+            <a:schemeClr val="tx1">
+              <a:alpha val="58000"/>
+            </a:schemeClr>
+          </a:solidFill>
+          <a:ln>
+            <a:noFill/>
+          </a:ln>
+        </p:spPr>
+        <p:style>
+          <a:lnRef idx="2">
+            <a:schemeClr val="accent1">
+              <a:shade val="50000"/>
+            </a:schemeClr>
+          </a:lnRef>
+          <a:fillRef idx="1">
+            <a:schemeClr val="accent1"/>
+          </a:fillRef>
+          <a:effectRef idx="0">
+            <a:schemeClr val="accent1"/>
+          </a:effectRef>
+          <a:fontRef idx="minor">
+            <a:schemeClr val="lt1"/>
+          </a:fontRef>
+        </p:style>
+        <p:txBody>
+          <a:bodyPr rtlCol="0" anchor="ctr"/>
+          <a:lstStyle/>
+          <a:p>
+            <a:pPr algn="ctr"/>
+            <a:endParaRPr lang="ko-KR" altLang="en-US" dirty="0"/>
+          </a:p>
+        </p:txBody>
+      </p:sp>
+      <p:sp>
+        <p:nvSpPr>
+          <p:cNvPr id="4" name="TextBox 3">
+            <a:extLst>
+              <a:ext uri="{FF2B5EF4-FFF2-40B4-BE49-F238E27FC236}">
+                <a16:creationId xmlns:a16="http://schemas.microsoft.com/office/drawing/2014/main" id="{FAC27D26-F667-4E1B-A386-45365AE4923E}"/>
+              </a:ext>
+            </a:extLst>
+          </p:cNvPr>
+          <p:cNvSpPr txBox="1"/>
+          <p:nvPr/>
+        </p:nvSpPr>
+        <p:spPr>
+          <a:xfrm>
+            <a:off x="4517720" y="1240137"/>
+            <a:ext cx="3156559" cy="923330"/>
+          </a:xfrm>
+          <a:prstGeom prst="rect">
+            <a:avLst/>
+          </a:prstGeom>
+          <a:noFill/>
+        </p:spPr>
+        <p:txBody>
+          <a:bodyPr wrap="square" rtlCol="0">
+            <a:spAutoFit/>
+          </a:bodyPr>
+          <a:lstStyle/>
+          <a:p>
+            <a:pPr algn="ctr"/>
+            <a:r>
+              <a:rPr lang="ko-KR" altLang="en-US" sz="5400" b="1" dirty="0" err="1">
+                <a:solidFill>
+                  <a:schemeClr val="bg1"/>
+                </a:solidFill>
+              </a:rPr>
+              <a:t>스뮤고개</a:t>
+            </a:r>
+            <a:endParaRPr lang="ko-KR" altLang="en-US" sz="5400" b="1" dirty="0">
+              <a:solidFill>
+                <a:schemeClr val="bg1"/>
+              </a:solidFill>
+            </a:endParaRPr>
+          </a:p>
+        </p:txBody>
+      </p:sp>
+      <p:sp>
+        <p:nvSpPr>
+          <p:cNvPr id="5" name="TextBox 4">
+            <a:extLst>
+              <a:ext uri="{FF2B5EF4-FFF2-40B4-BE49-F238E27FC236}">
+                <a16:creationId xmlns:a16="http://schemas.microsoft.com/office/drawing/2014/main" id="{6FDF8216-3FE3-42C5-A43C-9543CEA1836D}"/>
+              </a:ext>
+            </a:extLst>
+          </p:cNvPr>
+          <p:cNvSpPr txBox="1"/>
+          <p:nvPr/>
+        </p:nvSpPr>
+        <p:spPr>
+          <a:xfrm>
+            <a:off x="2432136" y="2079610"/>
+            <a:ext cx="7327726" cy="369332"/>
+          </a:xfrm>
+          <a:prstGeom prst="rect">
+            <a:avLst/>
+          </a:prstGeom>
+          <a:noFill/>
+        </p:spPr>
+        <p:txBody>
+          <a:bodyPr wrap="square" rtlCol="0">
+            <a:spAutoFit/>
+          </a:bodyPr>
+          <a:lstStyle/>
+          <a:p>
+            <a:pPr algn="ctr"/>
+            <a:r>
+              <a:rPr lang="ko-KR" altLang="en-US" b="1" dirty="0">
+                <a:solidFill>
+                  <a:schemeClr val="bg1">
+                    <a:lumMod val="65000"/>
+                  </a:schemeClr>
+                </a:solidFill>
+              </a:rPr>
+              <a:t>쉽고 빠른 </a:t>
+            </a:r>
+            <a:r>
+              <a:rPr lang="ko-KR" altLang="en-US" b="1" dirty="0" err="1">
+                <a:solidFill>
+                  <a:schemeClr val="bg1">
+                    <a:lumMod val="65000"/>
+                  </a:schemeClr>
+                </a:solidFill>
+              </a:rPr>
+              <a:t>챗봇</a:t>
+            </a:r>
+            <a:r>
+              <a:rPr lang="ko-KR" altLang="en-US" b="1" dirty="0">
+                <a:solidFill>
+                  <a:schemeClr val="bg1">
+                    <a:lumMod val="65000"/>
+                  </a:schemeClr>
+                </a:solidFill>
+              </a:rPr>
+              <a:t> 제작</a:t>
+            </a:r>
+          </a:p>
+        </p:txBody>
+      </p:sp>
+      <p:sp>
+        <p:nvSpPr>
+          <p:cNvPr id="8" name="직사각형 7">
+            <a:extLst>
+              <a:ext uri="{FF2B5EF4-FFF2-40B4-BE49-F238E27FC236}">
+                <a16:creationId xmlns:a16="http://schemas.microsoft.com/office/drawing/2014/main" id="{44904893-2403-4DD3-9519-082F4BA69B69}"/>
+              </a:ext>
+            </a:extLst>
+          </p:cNvPr>
+          <p:cNvSpPr/>
+          <p:nvPr/>
+        </p:nvSpPr>
+        <p:spPr>
+          <a:xfrm>
+            <a:off x="3791211" y="2626868"/>
+            <a:ext cx="4609578" cy="585592"/>
+          </a:xfrm>
+          <a:prstGeom prst="rect">
+            <a:avLst/>
+          </a:prstGeom>
+          <a:solidFill>
+            <a:schemeClr val="bg1"/>
+          </a:solidFill>
+          <a:ln>
+            <a:solidFill>
+              <a:schemeClr val="bg1">
+                <a:lumMod val="75000"/>
+              </a:schemeClr>
+            </a:solidFill>
+          </a:ln>
+        </p:spPr>
+        <p:style>
+          <a:lnRef idx="2">
+            <a:schemeClr val="accent1">
+              <a:shade val="50000"/>
+            </a:schemeClr>
+          </a:lnRef>
+          <a:fillRef idx="1">
+            <a:schemeClr val="accent1"/>
+          </a:fillRef>
+          <a:effectRef idx="0">
+            <a:schemeClr val="accent1"/>
+          </a:effectRef>
+          <a:fontRef idx="minor">
+            <a:schemeClr val="lt1"/>
+          </a:fontRef>
+        </p:style>
+        <p:txBody>
+          <a:bodyPr rtlCol="0" anchor="ctr"/>
+          <a:lstStyle/>
+          <a:p>
+            <a:r>
+              <a:rPr lang="ko-KR" altLang="en-US" dirty="0">
+                <a:solidFill>
+                  <a:schemeClr val="bg1">
+                    <a:lumMod val="75000"/>
+                  </a:schemeClr>
+                </a:solidFill>
+              </a:rPr>
+              <a:t>아이디</a:t>
+            </a:r>
+          </a:p>
+        </p:txBody>
+      </p:sp>
+      <p:sp>
+        <p:nvSpPr>
+          <p:cNvPr id="9" name="직사각형 8">
+            <a:extLst>
+              <a:ext uri="{FF2B5EF4-FFF2-40B4-BE49-F238E27FC236}">
+                <a16:creationId xmlns:a16="http://schemas.microsoft.com/office/drawing/2014/main" id="{4F18EB6F-7FB9-410D-85D4-43B965D9560B}"/>
+              </a:ext>
+            </a:extLst>
+          </p:cNvPr>
+          <p:cNvSpPr/>
+          <p:nvPr/>
+        </p:nvSpPr>
+        <p:spPr>
+          <a:xfrm>
+            <a:off x="3791210" y="3689078"/>
+            <a:ext cx="4609578" cy="585592"/>
+          </a:xfrm>
+          <a:prstGeom prst="rect">
+            <a:avLst/>
+          </a:prstGeom>
+          <a:solidFill>
+            <a:schemeClr val="bg1"/>
+          </a:solidFill>
+          <a:ln>
+            <a:solidFill>
+              <a:schemeClr val="bg1">
+                <a:lumMod val="75000"/>
+              </a:schemeClr>
+            </a:solidFill>
+          </a:ln>
+        </p:spPr>
+        <p:style>
+          <a:lnRef idx="2">
+            <a:schemeClr val="accent1">
+              <a:shade val="50000"/>
+            </a:schemeClr>
+          </a:lnRef>
+          <a:fillRef idx="1">
+            <a:schemeClr val="accent1"/>
+          </a:fillRef>
+          <a:effectRef idx="0">
+            <a:schemeClr val="accent1"/>
+          </a:effectRef>
+          <a:fontRef idx="minor">
+            <a:schemeClr val="lt1"/>
+          </a:fontRef>
+        </p:style>
+        <p:txBody>
+          <a:bodyPr rtlCol="0" anchor="ctr"/>
+          <a:lstStyle/>
+          <a:p>
+            <a:r>
+              <a:rPr lang="ko-KR" altLang="en-US" dirty="0">
+                <a:solidFill>
+                  <a:schemeClr val="bg1">
+                    <a:lumMod val="75000"/>
+                  </a:schemeClr>
+                </a:solidFill>
+              </a:rPr>
+              <a:t>비밀번호</a:t>
+            </a:r>
+          </a:p>
+        </p:txBody>
+      </p:sp>
+      <p:sp>
+        <p:nvSpPr>
+          <p:cNvPr id="10" name="직사각형 9">
+            <a:extLst>
+              <a:ext uri="{FF2B5EF4-FFF2-40B4-BE49-F238E27FC236}">
+                <a16:creationId xmlns:a16="http://schemas.microsoft.com/office/drawing/2014/main" id="{6D0EB5FD-3CD2-40F2-879B-37703A2D9E49}"/>
+              </a:ext>
+            </a:extLst>
+          </p:cNvPr>
+          <p:cNvSpPr/>
+          <p:nvPr/>
+        </p:nvSpPr>
+        <p:spPr>
+          <a:xfrm>
+            <a:off x="3791211" y="4624606"/>
+            <a:ext cx="4609578" cy="585592"/>
+          </a:xfrm>
+          <a:prstGeom prst="rect">
+            <a:avLst/>
+          </a:prstGeom>
+          <a:solidFill>
+            <a:schemeClr val="accent1"/>
+          </a:solidFill>
+          <a:ln>
+            <a:noFill/>
+          </a:ln>
+        </p:spPr>
+        <p:style>
+          <a:lnRef idx="2">
+            <a:schemeClr val="accent1">
+              <a:shade val="50000"/>
+            </a:schemeClr>
+          </a:lnRef>
+          <a:fillRef idx="1">
+            <a:schemeClr val="accent1"/>
+          </a:fillRef>
+          <a:effectRef idx="0">
+            <a:schemeClr val="accent1"/>
+          </a:effectRef>
+          <a:fontRef idx="minor">
+            <a:schemeClr val="lt1"/>
+          </a:fontRef>
+        </p:style>
+        <p:txBody>
+          <a:bodyPr rtlCol="0" anchor="ctr"/>
+          <a:lstStyle/>
+          <a:p>
+            <a:pPr algn="ctr"/>
+            <a:r>
+              <a:rPr lang="ko-KR" altLang="en-US" sz="2800" b="1" dirty="0"/>
+              <a:t>로그인</a:t>
+            </a:r>
+          </a:p>
+        </p:txBody>
+      </p:sp>
+      <p:sp>
+        <p:nvSpPr>
+          <p:cNvPr id="11" name="TextBox 10">
+            <a:extLst>
+              <a:ext uri="{FF2B5EF4-FFF2-40B4-BE49-F238E27FC236}">
+                <a16:creationId xmlns:a16="http://schemas.microsoft.com/office/drawing/2014/main" id="{22BF3FC0-9D73-4CDE-BB46-C40B65AEC00E}"/>
+              </a:ext>
+            </a:extLst>
+          </p:cNvPr>
+          <p:cNvSpPr txBox="1"/>
+          <p:nvPr/>
+        </p:nvSpPr>
+        <p:spPr>
+          <a:xfrm>
+            <a:off x="3609712" y="5252357"/>
+            <a:ext cx="2139865" cy="307777"/>
+          </a:xfrm>
+          <a:prstGeom prst="rect">
+            <a:avLst/>
+          </a:prstGeom>
+          <a:noFill/>
+        </p:spPr>
+        <p:txBody>
+          <a:bodyPr wrap="square" rtlCol="0">
+            <a:spAutoFit/>
+          </a:bodyPr>
+          <a:lstStyle/>
+          <a:p>
+            <a:pPr algn="ctr"/>
+            <a:r>
+              <a:rPr lang="ko-KR" altLang="en-US" sz="1400" dirty="0">
+                <a:solidFill>
+                  <a:schemeClr val="bg1">
+                    <a:lumMod val="65000"/>
+                  </a:schemeClr>
+                </a:solidFill>
+              </a:rPr>
+              <a:t>아이디</a:t>
+            </a:r>
+            <a:r>
+              <a:rPr lang="en-US" altLang="ko-KR" sz="1400" dirty="0">
+                <a:solidFill>
+                  <a:schemeClr val="bg1">
+                    <a:lumMod val="65000"/>
+                  </a:schemeClr>
+                </a:solidFill>
+              </a:rPr>
+              <a:t> </a:t>
+            </a:r>
+            <a:r>
+              <a:rPr lang="ko-KR" altLang="en-US" sz="1400" dirty="0">
+                <a:solidFill>
+                  <a:schemeClr val="bg1">
+                    <a:lumMod val="65000"/>
+                  </a:schemeClr>
+                </a:solidFill>
+              </a:rPr>
+              <a:t>비밀번호 찾기</a:t>
+            </a:r>
+          </a:p>
+        </p:txBody>
+      </p:sp>
+      <p:sp>
+        <p:nvSpPr>
+          <p:cNvPr id="12" name="TextBox 11">
+            <a:extLst>
+              <a:ext uri="{FF2B5EF4-FFF2-40B4-BE49-F238E27FC236}">
+                <a16:creationId xmlns:a16="http://schemas.microsoft.com/office/drawing/2014/main" id="{3949D752-6534-4F8D-9F3C-509A3AE7FAF3}"/>
+              </a:ext>
+            </a:extLst>
+          </p:cNvPr>
+          <p:cNvSpPr txBox="1"/>
+          <p:nvPr/>
+        </p:nvSpPr>
+        <p:spPr>
+          <a:xfrm>
+            <a:off x="6653667" y="5252357"/>
+            <a:ext cx="2705622" cy="307777"/>
+          </a:xfrm>
+          <a:prstGeom prst="rect">
+            <a:avLst/>
+          </a:prstGeom>
+          <a:noFill/>
+        </p:spPr>
+        <p:txBody>
+          <a:bodyPr wrap="square" rtlCol="0">
+            <a:spAutoFit/>
+          </a:bodyPr>
+          <a:lstStyle/>
+          <a:p>
+            <a:pPr algn="ctr"/>
+            <a:r>
+              <a:rPr lang="ko-KR" altLang="en-US" sz="1400" dirty="0">
+                <a:solidFill>
+                  <a:schemeClr val="bg1">
+                    <a:lumMod val="65000"/>
+                  </a:schemeClr>
+                </a:solidFill>
+              </a:rPr>
+              <a:t>회원가입</a:t>
+            </a:r>
+          </a:p>
+        </p:txBody>
+      </p:sp>
+    </p:spTree>
+    <p:extLst>
+      <p:ext uri="{BB962C8B-B14F-4D97-AF65-F5344CB8AC3E}">
+        <p14:creationId xmlns:p14="http://schemas.microsoft.com/office/powerpoint/2010/main" val="4195752784"/>
+      </p:ext>
+    </p:extLst>
+  </p:cSld>
+  <p:clrMapOvr>
+    <a:masterClrMapping/>
+  </p:clrMapOvr>
+</p:sld>
+</file>
+
+<file path=ppt/slides/slide4.xml><?xml version="1.0" encoding="utf-8"?>
+<p:sld xmlns:a="http://schemas.openxmlformats.org/drawingml/2006/main" xmlns:r="http://schemas.openxmlformats.org/officeDocument/2006/relationships" xmlns:p="http://schemas.openxmlformats.org/presentationml/2006/main">
+  <p:cSld>
+    <p:spTree>
+      <p:nvGrpSpPr>
+        <p:cNvPr id="1" name=""/>
+        <p:cNvGrpSpPr/>
+        <p:nvPr/>
+      </p:nvGrpSpPr>
+      <p:grpSpPr>
+        <a:xfrm>
+          <a:off x="0" y="0"/>
+          <a:ext cx="0" cy="0"/>
+          <a:chOff x="0" y="0"/>
+          <a:chExt cx="0" cy="0"/>
+        </a:xfrm>
+      </p:grpSpPr>
+      <p:sp>
+        <p:nvSpPr>
+          <p:cNvPr id="4" name="직사각형 3">
+            <a:extLst>
+              <a:ext uri="{FF2B5EF4-FFF2-40B4-BE49-F238E27FC236}">
+                <a16:creationId xmlns:a16="http://schemas.microsoft.com/office/drawing/2014/main" id="{2C830103-F6CF-43F8-93EA-7A6036B828EC}"/>
+              </a:ext>
+            </a:extLst>
+          </p:cNvPr>
+          <p:cNvSpPr/>
+          <p:nvPr/>
+        </p:nvSpPr>
+        <p:spPr>
+          <a:xfrm>
+            <a:off x="0" y="-70691"/>
+            <a:ext cx="12192000" cy="6928691"/>
+          </a:xfrm>
+          <a:prstGeom prst="rect">
+            <a:avLst/>
+          </a:prstGeom>
+          <a:solidFill>
+            <a:schemeClr val="bg1">
+              <a:lumMod val="95000"/>
+            </a:schemeClr>
+          </a:solidFill>
+          <a:ln>
+            <a:noFill/>
+          </a:ln>
+        </p:spPr>
+        <p:style>
+          <a:lnRef idx="2">
+            <a:schemeClr val="accent1">
+              <a:shade val="50000"/>
+            </a:schemeClr>
+          </a:lnRef>
+          <a:fillRef idx="1">
+            <a:schemeClr val="accent1"/>
+          </a:fillRef>
+          <a:effectRef idx="0">
+            <a:schemeClr val="accent1"/>
+          </a:effectRef>
+          <a:fontRef idx="minor">
+            <a:schemeClr val="lt1"/>
+          </a:fontRef>
+        </p:style>
+        <p:txBody>
+          <a:bodyPr rtlCol="0" anchor="ctr"/>
+          <a:lstStyle/>
+          <a:p>
+            <a:pPr algn="ctr"/>
+            <a:endParaRPr lang="ko-KR" altLang="en-US" dirty="0"/>
+          </a:p>
+        </p:txBody>
+      </p:sp>
+      <p:sp>
+        <p:nvSpPr>
+          <p:cNvPr id="5" name="TextBox 4">
+            <a:extLst>
+              <a:ext uri="{FF2B5EF4-FFF2-40B4-BE49-F238E27FC236}">
+                <a16:creationId xmlns:a16="http://schemas.microsoft.com/office/drawing/2014/main" id="{7992D97F-8E34-4294-9E80-485EF6CC9A48}"/>
+              </a:ext>
+            </a:extLst>
+          </p:cNvPr>
+          <p:cNvSpPr txBox="1"/>
+          <p:nvPr/>
+        </p:nvSpPr>
+        <p:spPr>
+          <a:xfrm>
+            <a:off x="4858011" y="1387604"/>
+            <a:ext cx="3156559" cy="923330"/>
+          </a:xfrm>
+          <a:prstGeom prst="rect">
+            <a:avLst/>
+          </a:prstGeom>
+          <a:noFill/>
+        </p:spPr>
+        <p:txBody>
+          <a:bodyPr wrap="square" rtlCol="0">
+            <a:spAutoFit/>
+          </a:bodyPr>
+          <a:lstStyle/>
+          <a:p>
+            <a:pPr algn="ctr"/>
+            <a:r>
+              <a:rPr lang="ko-KR" altLang="en-US" sz="5400" b="1" dirty="0" err="1">
+                <a:solidFill>
+                  <a:schemeClr val="tx1">
+                    <a:lumMod val="75000"/>
+                    <a:lumOff val="25000"/>
+                  </a:schemeClr>
+                </a:solidFill>
+              </a:rPr>
+              <a:t>스뮤고개</a:t>
+            </a:r>
+            <a:endParaRPr lang="ko-KR" altLang="en-US" sz="5400" b="1" dirty="0">
+              <a:solidFill>
+                <a:schemeClr val="tx1">
+                  <a:lumMod val="75000"/>
+                  <a:lumOff val="25000"/>
+                </a:schemeClr>
+              </a:solidFill>
+            </a:endParaRPr>
+          </a:p>
+        </p:txBody>
+      </p:sp>
+      <p:sp>
+        <p:nvSpPr>
+          <p:cNvPr id="6" name="직사각형 5">
+            <a:extLst>
+              <a:ext uri="{FF2B5EF4-FFF2-40B4-BE49-F238E27FC236}">
+                <a16:creationId xmlns:a16="http://schemas.microsoft.com/office/drawing/2014/main" id="{82FDD7D5-5916-499A-BA89-3AA7C8D35410}"/>
+              </a:ext>
+            </a:extLst>
+          </p:cNvPr>
+          <p:cNvSpPr/>
+          <p:nvPr/>
+        </p:nvSpPr>
+        <p:spPr>
+          <a:xfrm>
+            <a:off x="3791210" y="3136204"/>
+            <a:ext cx="4609578" cy="585592"/>
+          </a:xfrm>
+          <a:prstGeom prst="rect">
+            <a:avLst/>
+          </a:prstGeom>
+          <a:solidFill>
+            <a:schemeClr val="bg1"/>
+          </a:solidFill>
+          <a:ln>
+            <a:solidFill>
+              <a:schemeClr val="bg1">
+                <a:lumMod val="75000"/>
+              </a:schemeClr>
+            </a:solidFill>
+          </a:ln>
+        </p:spPr>
+        <p:style>
+          <a:lnRef idx="2">
+            <a:schemeClr val="accent1">
+              <a:shade val="50000"/>
+            </a:schemeClr>
+          </a:lnRef>
+          <a:fillRef idx="1">
+            <a:schemeClr val="accent1"/>
+          </a:fillRef>
+          <a:effectRef idx="0">
+            <a:schemeClr val="accent1"/>
+          </a:effectRef>
+          <a:fontRef idx="minor">
+            <a:schemeClr val="lt1"/>
+          </a:fontRef>
+        </p:style>
+        <p:txBody>
+          <a:bodyPr rtlCol="0" anchor="ctr"/>
+          <a:lstStyle/>
+          <a:p>
+            <a:r>
+              <a:rPr lang="ko-KR" altLang="en-US" dirty="0">
+                <a:solidFill>
+                  <a:schemeClr val="bg1">
+                    <a:lumMod val="75000"/>
+                  </a:schemeClr>
+                </a:solidFill>
+              </a:rPr>
+              <a:t>아이디</a:t>
+            </a:r>
+          </a:p>
+        </p:txBody>
+      </p:sp>
+      <p:sp>
+        <p:nvSpPr>
+          <p:cNvPr id="7" name="직사각형 6">
+            <a:extLst>
+              <a:ext uri="{FF2B5EF4-FFF2-40B4-BE49-F238E27FC236}">
+                <a16:creationId xmlns:a16="http://schemas.microsoft.com/office/drawing/2014/main" id="{6EC2F2E4-D720-4402-BDBC-A69E44250C1C}"/>
+              </a:ext>
+            </a:extLst>
+          </p:cNvPr>
+          <p:cNvSpPr/>
+          <p:nvPr/>
+        </p:nvSpPr>
+        <p:spPr>
+          <a:xfrm>
+            <a:off x="3791210" y="3938336"/>
+            <a:ext cx="4609578" cy="585592"/>
+          </a:xfrm>
+          <a:prstGeom prst="rect">
+            <a:avLst/>
+          </a:prstGeom>
+          <a:solidFill>
+            <a:schemeClr val="bg1"/>
+          </a:solidFill>
+          <a:ln>
+            <a:solidFill>
+              <a:schemeClr val="bg1">
+                <a:lumMod val="75000"/>
+              </a:schemeClr>
+            </a:solidFill>
+          </a:ln>
+        </p:spPr>
+        <p:style>
+          <a:lnRef idx="2">
+            <a:schemeClr val="accent1">
+              <a:shade val="50000"/>
+            </a:schemeClr>
+          </a:lnRef>
+          <a:fillRef idx="1">
+            <a:schemeClr val="accent1"/>
+          </a:fillRef>
+          <a:effectRef idx="0">
+            <a:schemeClr val="accent1"/>
+          </a:effectRef>
+          <a:fontRef idx="minor">
+            <a:schemeClr val="lt1"/>
+          </a:fontRef>
+        </p:style>
+        <p:txBody>
+          <a:bodyPr rtlCol="0" anchor="ctr"/>
+          <a:lstStyle/>
+          <a:p>
+            <a:r>
+              <a:rPr lang="ko-KR" altLang="en-US" dirty="0">
+                <a:solidFill>
+                  <a:schemeClr val="bg1">
+                    <a:lumMod val="75000"/>
+                  </a:schemeClr>
+                </a:solidFill>
+              </a:rPr>
+              <a:t>비밀번호</a:t>
+            </a:r>
+          </a:p>
+        </p:txBody>
+      </p:sp>
+      <p:sp>
+        <p:nvSpPr>
+          <p:cNvPr id="8" name="직사각형 7">
+            <a:extLst>
+              <a:ext uri="{FF2B5EF4-FFF2-40B4-BE49-F238E27FC236}">
+                <a16:creationId xmlns:a16="http://schemas.microsoft.com/office/drawing/2014/main" id="{B6A86E7F-EF55-4C28-A873-F720074353E8}"/>
+              </a:ext>
+            </a:extLst>
+          </p:cNvPr>
+          <p:cNvSpPr/>
+          <p:nvPr/>
+        </p:nvSpPr>
+        <p:spPr>
+          <a:xfrm>
+            <a:off x="3791210" y="4721645"/>
+            <a:ext cx="4609578" cy="585592"/>
           </a:xfrm>
           <a:prstGeom prst="rect">
             <a:avLst/>
@@ -4075,7 +5023,7 @@
             <a:pPr algn="ctr"/>
             <a:r>
               <a:rPr lang="ko-KR" altLang="en-US" sz="2800" b="1" dirty="0"/>
-              <a:t>회원가입</a:t>
+              <a:t>로그인</a:t>
             </a:r>
           </a:p>
         </p:txBody>
@@ -4094,8 +5042,8 @@
         </p:nvSpPr>
         <p:spPr>
           <a:xfrm>
-            <a:off x="4743186" y="5663107"/>
-            <a:ext cx="2705622" cy="307777"/>
+            <a:off x="3628372" y="5363940"/>
+            <a:ext cx="2139865" cy="307777"/>
           </a:xfrm>
           <a:prstGeom prst="rect">
             <a:avLst/>
@@ -4162,6 +5110,9 @@
           <a:prstGeom prst="rect">
             <a:avLst/>
           </a:prstGeom>
+          <a:solidFill>
+            <a:schemeClr val="tx2"/>
+          </a:solidFill>
         </p:spPr>
         <p:style>
           <a:lnRef idx="2">
@@ -4208,10 +5159,52 @@
           </a:p>
         </p:txBody>
       </p:sp>
+      <p:sp>
+        <p:nvSpPr>
+          <p:cNvPr id="12" name="TextBox 11">
+            <a:extLst>
+              <a:ext uri="{FF2B5EF4-FFF2-40B4-BE49-F238E27FC236}">
+                <a16:creationId xmlns:a16="http://schemas.microsoft.com/office/drawing/2014/main" id="{DF0C3E9F-009B-4BE5-888A-31663815907F}"/>
+              </a:ext>
+            </a:extLst>
+          </p:cNvPr>
+          <p:cNvSpPr txBox="1"/>
+          <p:nvPr/>
+        </p:nvSpPr>
+        <p:spPr>
+          <a:xfrm>
+            <a:off x="6661759" y="5363940"/>
+            <a:ext cx="2705622" cy="307777"/>
+          </a:xfrm>
+          <a:prstGeom prst="rect">
+            <a:avLst/>
+          </a:prstGeom>
+          <a:noFill/>
+        </p:spPr>
+        <p:txBody>
+          <a:bodyPr wrap="square" rtlCol="0">
+            <a:spAutoFit/>
+          </a:bodyPr>
+          <a:lstStyle/>
+          <a:p>
+            <a:pPr algn="ctr"/>
+            <a:r>
+              <a:rPr lang="ko-KR" altLang="en-US" sz="1400" dirty="0">
+                <a:solidFill>
+                  <a:schemeClr val="bg1">
+                    <a:lumMod val="65000"/>
+                  </a:schemeClr>
+                </a:solidFill>
+              </a:rPr>
+              <a:t>회원가입</a:t>
+            </a:r>
+          </a:p>
+        </p:txBody>
+      </p:sp>
     </p:spTree>
     <p:extLst>
       <p:ext uri="{BB962C8B-B14F-4D97-AF65-F5344CB8AC3E}">
-        <p14:creationId xmlns:p14="http://schemas.microsoft.com/office/powerpoint/2010/main" val="1300663203"/>
+        <p14:creationId xmlns:p14="http://schemas.microsoft.com/office/powerpoint/2010/main" val="1831640903"/>
       </p:ext>
     </p:extLst>
   </p:cSld>
